--- a/public/画像作成.pptx
+++ b/public/画像作成.pptx
@@ -7,6 +7,7 @@
   <p:sldIdLst>
     <p:sldId id="256" r:id="rId2"/>
     <p:sldId id="257" r:id="rId3"/>
+    <p:sldId id="258" r:id="rId4"/>
   </p:sldIdLst>
   <p:sldSz cx="11430000" cy="7715250"/>
   <p:notesSz cx="6858000" cy="9144000"/>
@@ -244,7 +245,7 @@
           <a:p>
             <a:fld id="{0B873C5B-9A32-4FB9-B7A0-2BDA137B8F0D}" type="datetimeFigureOut">
               <a:rPr kumimoji="1" lang="ja-JP" altLang="en-US" smtClean="0"/>
-              <a:t>2024/8/31</a:t>
+              <a:t>2024/9/3</a:t>
             </a:fld>
             <a:endParaRPr kumimoji="1" lang="ja-JP" altLang="en-US"/>
           </a:p>
@@ -446,7 +447,7 @@
           <a:p>
             <a:fld id="{0B873C5B-9A32-4FB9-B7A0-2BDA137B8F0D}" type="datetimeFigureOut">
               <a:rPr kumimoji="1" lang="ja-JP" altLang="en-US" smtClean="0"/>
-              <a:t>2024/8/31</a:t>
+              <a:t>2024/9/3</a:t>
             </a:fld>
             <a:endParaRPr kumimoji="1" lang="ja-JP" altLang="en-US"/>
           </a:p>
@@ -658,7 +659,7 @@
           <a:p>
             <a:fld id="{0B873C5B-9A32-4FB9-B7A0-2BDA137B8F0D}" type="datetimeFigureOut">
               <a:rPr kumimoji="1" lang="ja-JP" altLang="en-US" smtClean="0"/>
-              <a:t>2024/8/31</a:t>
+              <a:t>2024/9/3</a:t>
             </a:fld>
             <a:endParaRPr kumimoji="1" lang="ja-JP" altLang="en-US"/>
           </a:p>
@@ -860,7 +861,7 @@
           <a:p>
             <a:fld id="{0B873C5B-9A32-4FB9-B7A0-2BDA137B8F0D}" type="datetimeFigureOut">
               <a:rPr kumimoji="1" lang="ja-JP" altLang="en-US" smtClean="0"/>
-              <a:t>2024/8/31</a:t>
+              <a:t>2024/9/3</a:t>
             </a:fld>
             <a:endParaRPr kumimoji="1" lang="ja-JP" altLang="en-US"/>
           </a:p>
@@ -1106,7 +1107,7 @@
           <a:p>
             <a:fld id="{0B873C5B-9A32-4FB9-B7A0-2BDA137B8F0D}" type="datetimeFigureOut">
               <a:rPr kumimoji="1" lang="ja-JP" altLang="en-US" smtClean="0"/>
-              <a:t>2024/8/31</a:t>
+              <a:t>2024/9/3</a:t>
             </a:fld>
             <a:endParaRPr kumimoji="1" lang="ja-JP" altLang="en-US"/>
           </a:p>
@@ -1402,7 +1403,7 @@
           <a:p>
             <a:fld id="{0B873C5B-9A32-4FB9-B7A0-2BDA137B8F0D}" type="datetimeFigureOut">
               <a:rPr kumimoji="1" lang="ja-JP" altLang="en-US" smtClean="0"/>
-              <a:t>2024/8/31</a:t>
+              <a:t>2024/9/3</a:t>
             </a:fld>
             <a:endParaRPr kumimoji="1" lang="ja-JP" altLang="en-US"/>
           </a:p>
@@ -1833,7 +1834,7 @@
           <a:p>
             <a:fld id="{0B873C5B-9A32-4FB9-B7A0-2BDA137B8F0D}" type="datetimeFigureOut">
               <a:rPr kumimoji="1" lang="ja-JP" altLang="en-US" smtClean="0"/>
-              <a:t>2024/8/31</a:t>
+              <a:t>2024/9/3</a:t>
             </a:fld>
             <a:endParaRPr kumimoji="1" lang="ja-JP" altLang="en-US"/>
           </a:p>
@@ -1951,7 +1952,7 @@
           <a:p>
             <a:fld id="{0B873C5B-9A32-4FB9-B7A0-2BDA137B8F0D}" type="datetimeFigureOut">
               <a:rPr kumimoji="1" lang="ja-JP" altLang="en-US" smtClean="0"/>
-              <a:t>2024/8/31</a:t>
+              <a:t>2024/9/3</a:t>
             </a:fld>
             <a:endParaRPr kumimoji="1" lang="ja-JP" altLang="en-US"/>
           </a:p>
@@ -2046,7 +2047,7 @@
           <a:p>
             <a:fld id="{0B873C5B-9A32-4FB9-B7A0-2BDA137B8F0D}" type="datetimeFigureOut">
               <a:rPr kumimoji="1" lang="ja-JP" altLang="en-US" smtClean="0"/>
-              <a:t>2024/8/31</a:t>
+              <a:t>2024/9/3</a:t>
             </a:fld>
             <a:endParaRPr kumimoji="1" lang="ja-JP" altLang="en-US"/>
           </a:p>
@@ -2355,7 +2356,7 @@
           <a:p>
             <a:fld id="{0B873C5B-9A32-4FB9-B7A0-2BDA137B8F0D}" type="datetimeFigureOut">
               <a:rPr kumimoji="1" lang="ja-JP" altLang="en-US" smtClean="0"/>
-              <a:t>2024/8/31</a:t>
+              <a:t>2024/9/3</a:t>
             </a:fld>
             <a:endParaRPr kumimoji="1" lang="ja-JP" altLang="en-US"/>
           </a:p>
@@ -2612,7 +2613,7 @@
           <a:p>
             <a:fld id="{0B873C5B-9A32-4FB9-B7A0-2BDA137B8F0D}" type="datetimeFigureOut">
               <a:rPr kumimoji="1" lang="ja-JP" altLang="en-US" smtClean="0"/>
-              <a:t>2024/8/31</a:t>
+              <a:t>2024/9/3</a:t>
             </a:fld>
             <a:endParaRPr kumimoji="1" lang="ja-JP" altLang="en-US"/>
           </a:p>
@@ -2857,7 +2858,7 @@
           <a:p>
             <a:fld id="{0B873C5B-9A32-4FB9-B7A0-2BDA137B8F0D}" type="datetimeFigureOut">
               <a:rPr kumimoji="1" lang="ja-JP" altLang="en-US" smtClean="0"/>
-              <a:t>2024/8/31</a:t>
+              <a:t>2024/9/3</a:t>
             </a:fld>
             <a:endParaRPr kumimoji="1" lang="ja-JP" altLang="en-US"/>
           </a:p>
@@ -5708,6 +5709,1189 @@
 </p:sld>
 </file>
 
+<file path=ppt/slides/slide3.xml><?xml version="1.0" encoding="utf-8"?>
+<p:sld xmlns:a="http://schemas.openxmlformats.org/drawingml/2006/main" xmlns:r="http://schemas.openxmlformats.org/officeDocument/2006/relationships" xmlns:p="http://schemas.openxmlformats.org/presentationml/2006/main">
+  <p:cSld>
+    <p:spTree>
+      <p:nvGrpSpPr>
+        <p:cNvPr id="1" name=""/>
+        <p:cNvGrpSpPr/>
+        <p:nvPr/>
+      </p:nvGrpSpPr>
+      <p:grpSpPr>
+        <a:xfrm>
+          <a:off x="0" y="0"/>
+          <a:ext cx="0" cy="0"/>
+          <a:chOff x="0" y="0"/>
+          <a:chExt cx="0" cy="0"/>
+        </a:xfrm>
+      </p:grpSpPr>
+      <p:cxnSp>
+        <p:nvCxnSpPr>
+          <p:cNvPr id="9" name="直線コネクタ 8">
+            <a:extLst>
+              <a:ext uri="{FF2B5EF4-FFF2-40B4-BE49-F238E27FC236}">
+                <a16:creationId xmlns:a16="http://schemas.microsoft.com/office/drawing/2014/main" id="{328C5DAC-64C3-7089-A20D-7B521EC27600}"/>
+              </a:ext>
+            </a:extLst>
+          </p:cNvPr>
+          <p:cNvCxnSpPr/>
+          <p:nvPr/>
+        </p:nvCxnSpPr>
+        <p:spPr>
+          <a:xfrm>
+            <a:off x="3831259" y="0"/>
+            <a:ext cx="0" cy="7715250"/>
+          </a:xfrm>
+          <a:prstGeom prst="line">
+            <a:avLst/>
+          </a:prstGeom>
+          <a:ln w="38100">
+            <a:solidFill>
+              <a:schemeClr val="tx1"/>
+            </a:solidFill>
+          </a:ln>
+        </p:spPr>
+        <p:style>
+          <a:lnRef idx="2">
+            <a:schemeClr val="accent1"/>
+          </a:lnRef>
+          <a:fillRef idx="0">
+            <a:schemeClr val="accent1"/>
+          </a:fillRef>
+          <a:effectRef idx="1">
+            <a:schemeClr val="accent1"/>
+          </a:effectRef>
+          <a:fontRef idx="minor">
+            <a:schemeClr val="tx1"/>
+          </a:fontRef>
+        </p:style>
+      </p:cxnSp>
+      <p:cxnSp>
+        <p:nvCxnSpPr>
+          <p:cNvPr id="10" name="直線コネクタ 9">
+            <a:extLst>
+              <a:ext uri="{FF2B5EF4-FFF2-40B4-BE49-F238E27FC236}">
+                <a16:creationId xmlns:a16="http://schemas.microsoft.com/office/drawing/2014/main" id="{60DE250B-146E-2BF1-2D70-52D53828EEE0}"/>
+              </a:ext>
+            </a:extLst>
+          </p:cNvPr>
+          <p:cNvCxnSpPr/>
+          <p:nvPr/>
+        </p:nvCxnSpPr>
+        <p:spPr>
+          <a:xfrm>
+            <a:off x="7628559" y="0"/>
+            <a:ext cx="0" cy="7715250"/>
+          </a:xfrm>
+          <a:prstGeom prst="line">
+            <a:avLst/>
+          </a:prstGeom>
+          <a:ln w="38100">
+            <a:solidFill>
+              <a:schemeClr val="tx1"/>
+            </a:solidFill>
+          </a:ln>
+        </p:spPr>
+        <p:style>
+          <a:lnRef idx="2">
+            <a:schemeClr val="accent1"/>
+          </a:lnRef>
+          <a:fillRef idx="0">
+            <a:schemeClr val="accent1"/>
+          </a:fillRef>
+          <a:effectRef idx="1">
+            <a:schemeClr val="accent1"/>
+          </a:effectRef>
+          <a:fontRef idx="minor">
+            <a:schemeClr val="tx1"/>
+          </a:fontRef>
+        </p:style>
+      </p:cxnSp>
+      <p:cxnSp>
+        <p:nvCxnSpPr>
+          <p:cNvPr id="13" name="直線コネクタ 12">
+            <a:extLst>
+              <a:ext uri="{FF2B5EF4-FFF2-40B4-BE49-F238E27FC236}">
+                <a16:creationId xmlns:a16="http://schemas.microsoft.com/office/drawing/2014/main" id="{15EB3C94-E7DE-14D2-6EED-09B7FD596B70}"/>
+              </a:ext>
+            </a:extLst>
+          </p:cNvPr>
+          <p:cNvCxnSpPr>
+            <a:cxnSpLocks/>
+          </p:cNvCxnSpPr>
+          <p:nvPr/>
+        </p:nvCxnSpPr>
+        <p:spPr>
+          <a:xfrm>
+            <a:off x="0" y="3857625"/>
+            <a:ext cx="11430000" cy="0"/>
+          </a:xfrm>
+          <a:prstGeom prst="line">
+            <a:avLst/>
+          </a:prstGeom>
+          <a:ln w="38100">
+            <a:solidFill>
+              <a:schemeClr val="tx1"/>
+            </a:solidFill>
+          </a:ln>
+        </p:spPr>
+        <p:style>
+          <a:lnRef idx="2">
+            <a:schemeClr val="accent1"/>
+          </a:lnRef>
+          <a:fillRef idx="0">
+            <a:schemeClr val="accent1"/>
+          </a:fillRef>
+          <a:effectRef idx="1">
+            <a:schemeClr val="accent1"/>
+          </a:effectRef>
+          <a:fontRef idx="minor">
+            <a:schemeClr val="tx1"/>
+          </a:fontRef>
+        </p:style>
+      </p:cxnSp>
+      <p:pic>
+        <p:nvPicPr>
+          <p:cNvPr id="19" name="図 18" descr="アイコン&#10;&#10;自動的に生成された説明">
+            <a:extLst>
+              <a:ext uri="{FF2B5EF4-FFF2-40B4-BE49-F238E27FC236}">
+                <a16:creationId xmlns:a16="http://schemas.microsoft.com/office/drawing/2014/main" id="{CF7BAF94-81F4-C372-0392-745B996ECD09}"/>
+              </a:ext>
+            </a:extLst>
+          </p:cNvPr>
+          <p:cNvPicPr>
+            <a:picLocks noChangeAspect="1"/>
+          </p:cNvPicPr>
+          <p:nvPr/>
+        </p:nvPicPr>
+        <p:blipFill>
+          <a:blip r:embed="rId2">
+            <a:extLst>
+              <a:ext uri="{28A0092B-C50C-407E-A947-70E740481C1C}">
+                <a14:useLocalDpi xmlns:a14="http://schemas.microsoft.com/office/drawing/2010/main" val="0"/>
+              </a:ext>
+            </a:extLst>
+          </a:blip>
+          <a:stretch>
+            <a:fillRect/>
+          </a:stretch>
+        </p:blipFill>
+        <p:spPr>
+          <a:xfrm>
+            <a:off x="556030" y="2577814"/>
+            <a:ext cx="1206215" cy="1206215"/>
+          </a:xfrm>
+          <a:prstGeom prst="rect">
+            <a:avLst/>
+          </a:prstGeom>
+        </p:spPr>
+      </p:pic>
+      <p:sp>
+        <p:nvSpPr>
+          <p:cNvPr id="20" name="テキスト ボックス 19">
+            <a:extLst>
+              <a:ext uri="{FF2B5EF4-FFF2-40B4-BE49-F238E27FC236}">
+                <a16:creationId xmlns:a16="http://schemas.microsoft.com/office/drawing/2014/main" id="{F34171BD-BDBC-42E2-65BB-F074F3571CC2}"/>
+              </a:ext>
+            </a:extLst>
+          </p:cNvPr>
+          <p:cNvSpPr txBox="1"/>
+          <p:nvPr/>
+        </p:nvSpPr>
+        <p:spPr>
+          <a:xfrm>
+            <a:off x="207024" y="537292"/>
+            <a:ext cx="2694216" cy="769441"/>
+          </a:xfrm>
+          <a:prstGeom prst="rect">
+            <a:avLst/>
+          </a:prstGeom>
+          <a:noFill/>
+        </p:spPr>
+        <p:txBody>
+          <a:bodyPr wrap="square" rtlCol="0">
+            <a:spAutoFit/>
+          </a:bodyPr>
+          <a:lstStyle/>
+          <a:p>
+            <a:r>
+              <a:rPr kumimoji="1" lang="ja-JP" altLang="en-US" sz="4400" b="1" dirty="0"/>
+              <a:t>八王子駅</a:t>
+            </a:r>
+            <a:endParaRPr kumimoji="1" lang="ja-JP" altLang="en-US" sz="4800" b="1" dirty="0"/>
+          </a:p>
+        </p:txBody>
+      </p:sp>
+      <p:pic>
+        <p:nvPicPr>
+          <p:cNvPr id="22" name="図 21" descr="アイコン&#10;&#10;自動的に生成された説明">
+            <a:extLst>
+              <a:ext uri="{FF2B5EF4-FFF2-40B4-BE49-F238E27FC236}">
+                <a16:creationId xmlns:a16="http://schemas.microsoft.com/office/drawing/2014/main" id="{8EAFD4ED-B468-50DA-365D-014E5593346A}"/>
+              </a:ext>
+            </a:extLst>
+          </p:cNvPr>
+          <p:cNvPicPr>
+            <a:picLocks noChangeAspect="1"/>
+          </p:cNvPicPr>
+          <p:nvPr/>
+        </p:nvPicPr>
+        <p:blipFill>
+          <a:blip r:embed="rId3">
+            <a:extLst>
+              <a:ext uri="{28A0092B-C50C-407E-A947-70E740481C1C}">
+                <a14:useLocalDpi xmlns:a14="http://schemas.microsoft.com/office/drawing/2010/main" val="0"/>
+              </a:ext>
+            </a:extLst>
+          </a:blip>
+          <a:stretch>
+            <a:fillRect/>
+          </a:stretch>
+        </p:blipFill>
+        <p:spPr>
+          <a:xfrm>
+            <a:off x="2515398" y="290019"/>
+            <a:ext cx="1238439" cy="1238439"/>
+          </a:xfrm>
+          <a:prstGeom prst="rect">
+            <a:avLst/>
+          </a:prstGeom>
+        </p:spPr>
+      </p:pic>
+      <p:sp>
+        <p:nvSpPr>
+          <p:cNvPr id="31" name="テキスト ボックス 30">
+            <a:extLst>
+              <a:ext uri="{FF2B5EF4-FFF2-40B4-BE49-F238E27FC236}">
+                <a16:creationId xmlns:a16="http://schemas.microsoft.com/office/drawing/2014/main" id="{8908E189-D1D6-0CD1-F0DE-C63DC0BDB668}"/>
+              </a:ext>
+            </a:extLst>
+          </p:cNvPr>
+          <p:cNvSpPr txBox="1"/>
+          <p:nvPr/>
+        </p:nvSpPr>
+        <p:spPr>
+          <a:xfrm>
+            <a:off x="3827119" y="524517"/>
+            <a:ext cx="2994015" cy="769441"/>
+          </a:xfrm>
+          <a:prstGeom prst="rect">
+            <a:avLst/>
+          </a:prstGeom>
+          <a:noFill/>
+        </p:spPr>
+        <p:txBody>
+          <a:bodyPr wrap="square" rtlCol="0">
+            <a:spAutoFit/>
+          </a:bodyPr>
+          <a:lstStyle/>
+          <a:p>
+            <a:r>
+              <a:rPr kumimoji="1" lang="ja-JP" altLang="en-US" sz="4400" b="1" dirty="0"/>
+              <a:t>みなみ野駅</a:t>
+            </a:r>
+          </a:p>
+        </p:txBody>
+      </p:sp>
+      <p:pic>
+        <p:nvPicPr>
+          <p:cNvPr id="32" name="図 31" descr="アイコン&#10;&#10;自動的に生成された説明">
+            <a:extLst>
+              <a:ext uri="{FF2B5EF4-FFF2-40B4-BE49-F238E27FC236}">
+                <a16:creationId xmlns:a16="http://schemas.microsoft.com/office/drawing/2014/main" id="{94573694-53DE-84C6-9975-C10CE19A085C}"/>
+              </a:ext>
+            </a:extLst>
+          </p:cNvPr>
+          <p:cNvPicPr>
+            <a:picLocks noChangeAspect="1"/>
+          </p:cNvPicPr>
+          <p:nvPr/>
+        </p:nvPicPr>
+        <p:blipFill>
+          <a:blip r:embed="rId3">
+            <a:extLst>
+              <a:ext uri="{28A0092B-C50C-407E-A947-70E740481C1C}">
+                <a14:useLocalDpi xmlns:a14="http://schemas.microsoft.com/office/drawing/2010/main" val="0"/>
+              </a:ext>
+            </a:extLst>
+          </a:blip>
+          <a:stretch>
+            <a:fillRect/>
+          </a:stretch>
+        </p:blipFill>
+        <p:spPr>
+          <a:xfrm>
+            <a:off x="6521334" y="302792"/>
+            <a:ext cx="1238439" cy="1238439"/>
+          </a:xfrm>
+          <a:prstGeom prst="rect">
+            <a:avLst/>
+          </a:prstGeom>
+        </p:spPr>
+      </p:pic>
+      <p:sp>
+        <p:nvSpPr>
+          <p:cNvPr id="33" name="テキスト ボックス 32">
+            <a:extLst>
+              <a:ext uri="{FF2B5EF4-FFF2-40B4-BE49-F238E27FC236}">
+                <a16:creationId xmlns:a16="http://schemas.microsoft.com/office/drawing/2014/main" id="{E1146C07-A129-D019-15E3-CA024613B5C6}"/>
+              </a:ext>
+            </a:extLst>
+          </p:cNvPr>
+          <p:cNvSpPr txBox="1"/>
+          <p:nvPr/>
+        </p:nvSpPr>
+        <p:spPr>
+          <a:xfrm>
+            <a:off x="207024" y="6429209"/>
+            <a:ext cx="2694216" cy="769441"/>
+          </a:xfrm>
+          <a:prstGeom prst="rect">
+            <a:avLst/>
+          </a:prstGeom>
+          <a:noFill/>
+        </p:spPr>
+        <p:txBody>
+          <a:bodyPr wrap="square" rtlCol="0">
+            <a:spAutoFit/>
+          </a:bodyPr>
+          <a:lstStyle/>
+          <a:p>
+            <a:r>
+              <a:rPr kumimoji="1" lang="ja-JP" altLang="en-US" sz="4400" b="1" dirty="0"/>
+              <a:t>八王子駅</a:t>
+            </a:r>
+            <a:endParaRPr kumimoji="1" lang="ja-JP" altLang="en-US" sz="4800" b="1" dirty="0"/>
+          </a:p>
+        </p:txBody>
+      </p:sp>
+      <p:pic>
+        <p:nvPicPr>
+          <p:cNvPr id="34" name="図 33" descr="アイコン&#10;&#10;自動的に生成された説明">
+            <a:extLst>
+              <a:ext uri="{FF2B5EF4-FFF2-40B4-BE49-F238E27FC236}">
+                <a16:creationId xmlns:a16="http://schemas.microsoft.com/office/drawing/2014/main" id="{C1EEC99C-604D-7CF9-CF7A-765F5831E265}"/>
+              </a:ext>
+            </a:extLst>
+          </p:cNvPr>
+          <p:cNvPicPr>
+            <a:picLocks noChangeAspect="1"/>
+          </p:cNvPicPr>
+          <p:nvPr/>
+        </p:nvPicPr>
+        <p:blipFill>
+          <a:blip r:embed="rId3">
+            <a:extLst>
+              <a:ext uri="{28A0092B-C50C-407E-A947-70E740481C1C}">
+                <a14:useLocalDpi xmlns:a14="http://schemas.microsoft.com/office/drawing/2010/main" val="0"/>
+              </a:ext>
+            </a:extLst>
+          </a:blip>
+          <a:stretch>
+            <a:fillRect/>
+          </a:stretch>
+        </p:blipFill>
+        <p:spPr>
+          <a:xfrm>
+            <a:off x="2515398" y="6181936"/>
+            <a:ext cx="1238439" cy="1238439"/>
+          </a:xfrm>
+          <a:prstGeom prst="rect">
+            <a:avLst/>
+          </a:prstGeom>
+        </p:spPr>
+      </p:pic>
+      <p:sp>
+        <p:nvSpPr>
+          <p:cNvPr id="35" name="テキスト ボックス 34">
+            <a:extLst>
+              <a:ext uri="{FF2B5EF4-FFF2-40B4-BE49-F238E27FC236}">
+                <a16:creationId xmlns:a16="http://schemas.microsoft.com/office/drawing/2014/main" id="{CED26230-C5B6-DF7F-CFDE-8B650C95D5A3}"/>
+              </a:ext>
+            </a:extLst>
+          </p:cNvPr>
+          <p:cNvSpPr txBox="1"/>
+          <p:nvPr/>
+        </p:nvSpPr>
+        <p:spPr>
+          <a:xfrm>
+            <a:off x="3872039" y="6403661"/>
+            <a:ext cx="2994015" cy="769441"/>
+          </a:xfrm>
+          <a:prstGeom prst="rect">
+            <a:avLst/>
+          </a:prstGeom>
+          <a:noFill/>
+        </p:spPr>
+        <p:txBody>
+          <a:bodyPr wrap="square" rtlCol="0">
+            <a:spAutoFit/>
+          </a:bodyPr>
+          <a:lstStyle/>
+          <a:p>
+            <a:r>
+              <a:rPr kumimoji="1" lang="ja-JP" altLang="en-US" sz="4400" b="1" dirty="0"/>
+              <a:t>みなみ野駅</a:t>
+            </a:r>
+          </a:p>
+        </p:txBody>
+      </p:sp>
+      <p:pic>
+        <p:nvPicPr>
+          <p:cNvPr id="36" name="図 35" descr="アイコン&#10;&#10;自動的に生成された説明">
+            <a:extLst>
+              <a:ext uri="{FF2B5EF4-FFF2-40B4-BE49-F238E27FC236}">
+                <a16:creationId xmlns:a16="http://schemas.microsoft.com/office/drawing/2014/main" id="{AB16C49F-F7D1-8707-CDD2-ED60EB634BC1}"/>
+              </a:ext>
+            </a:extLst>
+          </p:cNvPr>
+          <p:cNvPicPr>
+            <a:picLocks noChangeAspect="1"/>
+          </p:cNvPicPr>
+          <p:nvPr/>
+        </p:nvPicPr>
+        <p:blipFill>
+          <a:blip r:embed="rId3">
+            <a:extLst>
+              <a:ext uri="{28A0092B-C50C-407E-A947-70E740481C1C}">
+                <a14:useLocalDpi xmlns:a14="http://schemas.microsoft.com/office/drawing/2010/main" val="0"/>
+              </a:ext>
+            </a:extLst>
+          </a:blip>
+          <a:stretch>
+            <a:fillRect/>
+          </a:stretch>
+        </p:blipFill>
+        <p:spPr>
+          <a:xfrm>
+            <a:off x="6566254" y="6181936"/>
+            <a:ext cx="1238439" cy="1238439"/>
+          </a:xfrm>
+          <a:prstGeom prst="rect">
+            <a:avLst/>
+          </a:prstGeom>
+        </p:spPr>
+      </p:pic>
+      <p:sp>
+        <p:nvSpPr>
+          <p:cNvPr id="42" name="矢印: 右 41">
+            <a:extLst>
+              <a:ext uri="{FF2B5EF4-FFF2-40B4-BE49-F238E27FC236}">
+                <a16:creationId xmlns:a16="http://schemas.microsoft.com/office/drawing/2014/main" id="{D75D7BE0-BF8E-D361-F623-27A4FF2B378D}"/>
+              </a:ext>
+            </a:extLst>
+          </p:cNvPr>
+          <p:cNvSpPr/>
+          <p:nvPr/>
+        </p:nvSpPr>
+        <p:spPr>
+          <a:xfrm rot="5400000">
+            <a:off x="1400365" y="1716392"/>
+            <a:ext cx="1119758" cy="769437"/>
+          </a:xfrm>
+          <a:prstGeom prst="rightArrow">
+            <a:avLst>
+              <a:gd name="adj1" fmla="val 50000"/>
+              <a:gd name="adj2" fmla="val 68022"/>
+            </a:avLst>
+          </a:prstGeom>
+          <a:solidFill>
+            <a:schemeClr val="tx1"/>
+          </a:solidFill>
+          <a:ln>
+            <a:noFill/>
+          </a:ln>
+        </p:spPr>
+        <p:style>
+          <a:lnRef idx="2">
+            <a:schemeClr val="accent1">
+              <a:shade val="15000"/>
+            </a:schemeClr>
+          </a:lnRef>
+          <a:fillRef idx="1">
+            <a:schemeClr val="accent1"/>
+          </a:fillRef>
+          <a:effectRef idx="0">
+            <a:schemeClr val="accent1"/>
+          </a:effectRef>
+          <a:fontRef idx="minor">
+            <a:schemeClr val="lt1"/>
+          </a:fontRef>
+        </p:style>
+        <p:txBody>
+          <a:bodyPr rtlCol="0" anchor="ctr"/>
+          <a:lstStyle/>
+          <a:p>
+            <a:pPr algn="ctr"/>
+            <a:endParaRPr kumimoji="1" lang="ja-JP" altLang="en-US"/>
+          </a:p>
+        </p:txBody>
+      </p:sp>
+      <p:sp>
+        <p:nvSpPr>
+          <p:cNvPr id="48" name="テキスト ボックス 47">
+            <a:extLst>
+              <a:ext uri="{FF2B5EF4-FFF2-40B4-BE49-F238E27FC236}">
+                <a16:creationId xmlns:a16="http://schemas.microsoft.com/office/drawing/2014/main" id="{AA58CF87-F4FB-454B-B543-EE8E6A37C2D9}"/>
+              </a:ext>
+            </a:extLst>
+          </p:cNvPr>
+          <p:cNvSpPr txBox="1"/>
+          <p:nvPr/>
+        </p:nvSpPr>
+        <p:spPr>
+          <a:xfrm>
+            <a:off x="1814886" y="2765422"/>
+            <a:ext cx="1509568" cy="830997"/>
+          </a:xfrm>
+          <a:prstGeom prst="rect">
+            <a:avLst/>
+          </a:prstGeom>
+          <a:noFill/>
+        </p:spPr>
+        <p:txBody>
+          <a:bodyPr wrap="square" rtlCol="0">
+            <a:spAutoFit/>
+          </a:bodyPr>
+          <a:lstStyle/>
+          <a:p>
+            <a:r>
+              <a:rPr kumimoji="1" lang="ja-JP" altLang="en-US" sz="4800" b="1" dirty="0"/>
+              <a:t>大学</a:t>
+            </a:r>
+          </a:p>
+        </p:txBody>
+      </p:sp>
+      <p:pic>
+        <p:nvPicPr>
+          <p:cNvPr id="49" name="図 48" descr="アイコン&#10;&#10;自動的に生成された説明">
+            <a:extLst>
+              <a:ext uri="{FF2B5EF4-FFF2-40B4-BE49-F238E27FC236}">
+                <a16:creationId xmlns:a16="http://schemas.microsoft.com/office/drawing/2014/main" id="{B1D6CA5A-CDE5-7F3F-0859-84B1954F8F61}"/>
+              </a:ext>
+            </a:extLst>
+          </p:cNvPr>
+          <p:cNvPicPr>
+            <a:picLocks noChangeAspect="1"/>
+          </p:cNvPicPr>
+          <p:nvPr/>
+        </p:nvPicPr>
+        <p:blipFill>
+          <a:blip r:embed="rId2">
+            <a:extLst>
+              <a:ext uri="{28A0092B-C50C-407E-A947-70E740481C1C}">
+                <a14:useLocalDpi xmlns:a14="http://schemas.microsoft.com/office/drawing/2010/main" val="0"/>
+              </a:ext>
+            </a:extLst>
+          </a:blip>
+          <a:stretch>
+            <a:fillRect/>
+          </a:stretch>
+        </p:blipFill>
+        <p:spPr>
+          <a:xfrm>
+            <a:off x="4387289" y="2577814"/>
+            <a:ext cx="1206215" cy="1206215"/>
+          </a:xfrm>
+          <a:prstGeom prst="rect">
+            <a:avLst/>
+          </a:prstGeom>
+        </p:spPr>
+      </p:pic>
+      <p:sp>
+        <p:nvSpPr>
+          <p:cNvPr id="50" name="矢印: 右 49">
+            <a:extLst>
+              <a:ext uri="{FF2B5EF4-FFF2-40B4-BE49-F238E27FC236}">
+                <a16:creationId xmlns:a16="http://schemas.microsoft.com/office/drawing/2014/main" id="{BCB20684-220C-A833-A457-012F4D902D8A}"/>
+              </a:ext>
+            </a:extLst>
+          </p:cNvPr>
+          <p:cNvSpPr/>
+          <p:nvPr/>
+        </p:nvSpPr>
+        <p:spPr>
+          <a:xfrm rot="5400000">
+            <a:off x="5231624" y="1716392"/>
+            <a:ext cx="1119758" cy="769437"/>
+          </a:xfrm>
+          <a:prstGeom prst="rightArrow">
+            <a:avLst>
+              <a:gd name="adj1" fmla="val 50000"/>
+              <a:gd name="adj2" fmla="val 68022"/>
+            </a:avLst>
+          </a:prstGeom>
+          <a:solidFill>
+            <a:schemeClr val="tx1"/>
+          </a:solidFill>
+          <a:ln>
+            <a:noFill/>
+          </a:ln>
+        </p:spPr>
+        <p:style>
+          <a:lnRef idx="2">
+            <a:schemeClr val="accent1">
+              <a:shade val="15000"/>
+            </a:schemeClr>
+          </a:lnRef>
+          <a:fillRef idx="1">
+            <a:schemeClr val="accent1"/>
+          </a:fillRef>
+          <a:effectRef idx="0">
+            <a:schemeClr val="accent1"/>
+          </a:effectRef>
+          <a:fontRef idx="minor">
+            <a:schemeClr val="lt1"/>
+          </a:fontRef>
+        </p:style>
+        <p:txBody>
+          <a:bodyPr rtlCol="0" anchor="ctr"/>
+          <a:lstStyle/>
+          <a:p>
+            <a:pPr algn="ctr"/>
+            <a:endParaRPr kumimoji="1" lang="ja-JP" altLang="en-US"/>
+          </a:p>
+        </p:txBody>
+      </p:sp>
+      <p:sp>
+        <p:nvSpPr>
+          <p:cNvPr id="51" name="テキスト ボックス 50">
+            <a:extLst>
+              <a:ext uri="{FF2B5EF4-FFF2-40B4-BE49-F238E27FC236}">
+                <a16:creationId xmlns:a16="http://schemas.microsoft.com/office/drawing/2014/main" id="{571BEB1A-B07E-0D3A-BD7F-AFD7405FC4E0}"/>
+              </a:ext>
+            </a:extLst>
+          </p:cNvPr>
+          <p:cNvSpPr txBox="1"/>
+          <p:nvPr/>
+        </p:nvSpPr>
+        <p:spPr>
+          <a:xfrm>
+            <a:off x="5646145" y="2765422"/>
+            <a:ext cx="1509568" cy="830997"/>
+          </a:xfrm>
+          <a:prstGeom prst="rect">
+            <a:avLst/>
+          </a:prstGeom>
+          <a:noFill/>
+        </p:spPr>
+        <p:txBody>
+          <a:bodyPr wrap="square" rtlCol="0">
+            <a:spAutoFit/>
+          </a:bodyPr>
+          <a:lstStyle/>
+          <a:p>
+            <a:r>
+              <a:rPr kumimoji="1" lang="ja-JP" altLang="en-US" sz="4800" b="1" dirty="0"/>
+              <a:t>大学</a:t>
+            </a:r>
+          </a:p>
+        </p:txBody>
+      </p:sp>
+      <p:pic>
+        <p:nvPicPr>
+          <p:cNvPr id="55" name="図 54" descr="アイコン&#10;&#10;自動的に生成された説明">
+            <a:extLst>
+              <a:ext uri="{FF2B5EF4-FFF2-40B4-BE49-F238E27FC236}">
+                <a16:creationId xmlns:a16="http://schemas.microsoft.com/office/drawing/2014/main" id="{6A6ADC53-8898-26D6-914C-1D0676FA7A67}"/>
+              </a:ext>
+            </a:extLst>
+          </p:cNvPr>
+          <p:cNvPicPr>
+            <a:picLocks noChangeAspect="1"/>
+          </p:cNvPicPr>
+          <p:nvPr/>
+        </p:nvPicPr>
+        <p:blipFill>
+          <a:blip r:embed="rId2">
+            <a:extLst>
+              <a:ext uri="{28A0092B-C50C-407E-A947-70E740481C1C}">
+                <a14:useLocalDpi xmlns:a14="http://schemas.microsoft.com/office/drawing/2010/main" val="0"/>
+              </a:ext>
+            </a:extLst>
+          </a:blip>
+          <a:stretch>
+            <a:fillRect/>
+          </a:stretch>
+        </p:blipFill>
+        <p:spPr>
+          <a:xfrm>
+            <a:off x="499015" y="4089861"/>
+            <a:ext cx="1206215" cy="1206215"/>
+          </a:xfrm>
+          <a:prstGeom prst="rect">
+            <a:avLst/>
+          </a:prstGeom>
+        </p:spPr>
+      </p:pic>
+      <p:sp>
+        <p:nvSpPr>
+          <p:cNvPr id="56" name="テキスト ボックス 55">
+            <a:extLst>
+              <a:ext uri="{FF2B5EF4-FFF2-40B4-BE49-F238E27FC236}">
+                <a16:creationId xmlns:a16="http://schemas.microsoft.com/office/drawing/2014/main" id="{B9FCF18A-0820-9DB0-B73C-3A66BE6B1633}"/>
+              </a:ext>
+            </a:extLst>
+          </p:cNvPr>
+          <p:cNvSpPr txBox="1"/>
+          <p:nvPr/>
+        </p:nvSpPr>
+        <p:spPr>
+          <a:xfrm>
+            <a:off x="1757871" y="4277469"/>
+            <a:ext cx="1509568" cy="830997"/>
+          </a:xfrm>
+          <a:prstGeom prst="rect">
+            <a:avLst/>
+          </a:prstGeom>
+          <a:noFill/>
+        </p:spPr>
+        <p:txBody>
+          <a:bodyPr wrap="square" rtlCol="0">
+            <a:spAutoFit/>
+          </a:bodyPr>
+          <a:lstStyle/>
+          <a:p>
+            <a:r>
+              <a:rPr kumimoji="1" lang="ja-JP" altLang="en-US" sz="4800" b="1" dirty="0"/>
+              <a:t>大学</a:t>
+            </a:r>
+          </a:p>
+        </p:txBody>
+      </p:sp>
+      <p:sp>
+        <p:nvSpPr>
+          <p:cNvPr id="58" name="矢印: 右 57">
+            <a:extLst>
+              <a:ext uri="{FF2B5EF4-FFF2-40B4-BE49-F238E27FC236}">
+                <a16:creationId xmlns:a16="http://schemas.microsoft.com/office/drawing/2014/main" id="{A8638AA6-A771-D8F7-8416-FAD07EF1507D}"/>
+              </a:ext>
+            </a:extLst>
+          </p:cNvPr>
+          <p:cNvSpPr/>
+          <p:nvPr/>
+        </p:nvSpPr>
+        <p:spPr>
+          <a:xfrm rot="5400000">
+            <a:off x="1384787" y="5297002"/>
+            <a:ext cx="1119758" cy="769437"/>
+          </a:xfrm>
+          <a:prstGeom prst="rightArrow">
+            <a:avLst>
+              <a:gd name="adj1" fmla="val 50000"/>
+              <a:gd name="adj2" fmla="val 68022"/>
+            </a:avLst>
+          </a:prstGeom>
+          <a:solidFill>
+            <a:schemeClr val="tx1"/>
+          </a:solidFill>
+          <a:ln>
+            <a:noFill/>
+          </a:ln>
+        </p:spPr>
+        <p:style>
+          <a:lnRef idx="2">
+            <a:schemeClr val="accent1">
+              <a:shade val="15000"/>
+            </a:schemeClr>
+          </a:lnRef>
+          <a:fillRef idx="1">
+            <a:schemeClr val="accent1"/>
+          </a:fillRef>
+          <a:effectRef idx="0">
+            <a:schemeClr val="accent1"/>
+          </a:effectRef>
+          <a:fontRef idx="minor">
+            <a:schemeClr val="lt1"/>
+          </a:fontRef>
+        </p:style>
+        <p:txBody>
+          <a:bodyPr rtlCol="0" anchor="ctr"/>
+          <a:lstStyle/>
+          <a:p>
+            <a:pPr algn="ctr"/>
+            <a:endParaRPr kumimoji="1" lang="ja-JP" altLang="en-US"/>
+          </a:p>
+        </p:txBody>
+      </p:sp>
+      <p:pic>
+        <p:nvPicPr>
+          <p:cNvPr id="59" name="図 58" descr="アイコン&#10;&#10;自動的に生成された説明">
+            <a:extLst>
+              <a:ext uri="{FF2B5EF4-FFF2-40B4-BE49-F238E27FC236}">
+                <a16:creationId xmlns:a16="http://schemas.microsoft.com/office/drawing/2014/main" id="{AE22B456-EFEC-61F1-EF1B-678530734AD0}"/>
+              </a:ext>
+            </a:extLst>
+          </p:cNvPr>
+          <p:cNvPicPr>
+            <a:picLocks noChangeAspect="1"/>
+          </p:cNvPicPr>
+          <p:nvPr/>
+        </p:nvPicPr>
+        <p:blipFill>
+          <a:blip r:embed="rId2">
+            <a:extLst>
+              <a:ext uri="{28A0092B-C50C-407E-A947-70E740481C1C}">
+                <a14:useLocalDpi xmlns:a14="http://schemas.microsoft.com/office/drawing/2010/main" val="0"/>
+              </a:ext>
+            </a:extLst>
+          </a:blip>
+          <a:stretch>
+            <a:fillRect/>
+          </a:stretch>
+        </p:blipFill>
+        <p:spPr>
+          <a:xfrm>
+            <a:off x="4330274" y="4049278"/>
+            <a:ext cx="1206215" cy="1206215"/>
+          </a:xfrm>
+          <a:prstGeom prst="rect">
+            <a:avLst/>
+          </a:prstGeom>
+        </p:spPr>
+      </p:pic>
+      <p:sp>
+        <p:nvSpPr>
+          <p:cNvPr id="60" name="テキスト ボックス 59">
+            <a:extLst>
+              <a:ext uri="{FF2B5EF4-FFF2-40B4-BE49-F238E27FC236}">
+                <a16:creationId xmlns:a16="http://schemas.microsoft.com/office/drawing/2014/main" id="{39F99F62-C28E-FA01-C308-F9026C43CAF4}"/>
+              </a:ext>
+            </a:extLst>
+          </p:cNvPr>
+          <p:cNvSpPr txBox="1"/>
+          <p:nvPr/>
+        </p:nvSpPr>
+        <p:spPr>
+          <a:xfrm>
+            <a:off x="5589130" y="4236886"/>
+            <a:ext cx="1509568" cy="830997"/>
+          </a:xfrm>
+          <a:prstGeom prst="rect">
+            <a:avLst/>
+          </a:prstGeom>
+          <a:noFill/>
+        </p:spPr>
+        <p:txBody>
+          <a:bodyPr wrap="square" rtlCol="0">
+            <a:spAutoFit/>
+          </a:bodyPr>
+          <a:lstStyle/>
+          <a:p>
+            <a:r>
+              <a:rPr kumimoji="1" lang="ja-JP" altLang="en-US" sz="4800" b="1" dirty="0"/>
+              <a:t>大学</a:t>
+            </a:r>
+          </a:p>
+        </p:txBody>
+      </p:sp>
+      <p:sp>
+        <p:nvSpPr>
+          <p:cNvPr id="61" name="矢印: 右 60">
+            <a:extLst>
+              <a:ext uri="{FF2B5EF4-FFF2-40B4-BE49-F238E27FC236}">
+                <a16:creationId xmlns:a16="http://schemas.microsoft.com/office/drawing/2014/main" id="{ADF81131-F724-3115-AF1E-87C7708DD3AD}"/>
+              </a:ext>
+            </a:extLst>
+          </p:cNvPr>
+          <p:cNvSpPr/>
+          <p:nvPr/>
+        </p:nvSpPr>
+        <p:spPr>
+          <a:xfrm rot="5400000">
+            <a:off x="5216046" y="5256419"/>
+            <a:ext cx="1119758" cy="769437"/>
+          </a:xfrm>
+          <a:prstGeom prst="rightArrow">
+            <a:avLst>
+              <a:gd name="adj1" fmla="val 50000"/>
+              <a:gd name="adj2" fmla="val 68022"/>
+            </a:avLst>
+          </a:prstGeom>
+          <a:solidFill>
+            <a:schemeClr val="tx1"/>
+          </a:solidFill>
+          <a:ln>
+            <a:noFill/>
+          </a:ln>
+        </p:spPr>
+        <p:style>
+          <a:lnRef idx="2">
+            <a:schemeClr val="accent1">
+              <a:shade val="15000"/>
+            </a:schemeClr>
+          </a:lnRef>
+          <a:fillRef idx="1">
+            <a:schemeClr val="accent1"/>
+          </a:fillRef>
+          <a:effectRef idx="0">
+            <a:schemeClr val="accent1"/>
+          </a:effectRef>
+          <a:fontRef idx="minor">
+            <a:schemeClr val="lt1"/>
+          </a:fontRef>
+        </p:style>
+        <p:txBody>
+          <a:bodyPr rtlCol="0" anchor="ctr"/>
+          <a:lstStyle/>
+          <a:p>
+            <a:pPr algn="ctr"/>
+            <a:endParaRPr kumimoji="1" lang="ja-JP" altLang="en-US"/>
+          </a:p>
+        </p:txBody>
+      </p:sp>
+      <p:sp>
+        <p:nvSpPr>
+          <p:cNvPr id="3" name="テキスト ボックス 2">
+            <a:extLst>
+              <a:ext uri="{FF2B5EF4-FFF2-40B4-BE49-F238E27FC236}">
+                <a16:creationId xmlns:a16="http://schemas.microsoft.com/office/drawing/2014/main" id="{9122E08B-A8B0-2740-CBCB-A3A3F45B4D5D}"/>
+              </a:ext>
+            </a:extLst>
+          </p:cNvPr>
+          <p:cNvSpPr txBox="1"/>
+          <p:nvPr/>
+        </p:nvSpPr>
+        <p:spPr>
+          <a:xfrm>
+            <a:off x="7804693" y="1937715"/>
+            <a:ext cx="3552900" cy="1446550"/>
+          </a:xfrm>
+          <a:prstGeom prst="rect">
+            <a:avLst/>
+          </a:prstGeom>
+          <a:noFill/>
+        </p:spPr>
+        <p:txBody>
+          <a:bodyPr wrap="square" rtlCol="0">
+            <a:spAutoFit/>
+          </a:bodyPr>
+          <a:lstStyle/>
+          <a:p>
+            <a:r>
+              <a:rPr kumimoji="1" lang="ja-JP" altLang="en-US" sz="4400" b="1"/>
+              <a:t>直近</a:t>
+            </a:r>
+            <a:r>
+              <a:rPr kumimoji="1" lang="en-US" altLang="ja-JP" sz="4400" b="1" dirty="0"/>
+              <a:t>1</a:t>
+            </a:r>
+            <a:r>
+              <a:rPr kumimoji="1" lang="ja-JP" altLang="en-US" sz="4400" b="1"/>
+              <a:t>週間の</a:t>
+            </a:r>
+            <a:endParaRPr kumimoji="1" lang="en-US" altLang="ja-JP" sz="4400" b="1" dirty="0"/>
+          </a:p>
+          <a:p>
+            <a:r>
+              <a:rPr kumimoji="1" lang="ja-JP" altLang="en-US" sz="4400" b="1"/>
+              <a:t>バス運行状況</a:t>
+            </a:r>
+          </a:p>
+        </p:txBody>
+      </p:sp>
+      <p:pic>
+        <p:nvPicPr>
+          <p:cNvPr id="5" name="図 4">
+            <a:extLst>
+              <a:ext uri="{FF2B5EF4-FFF2-40B4-BE49-F238E27FC236}">
+                <a16:creationId xmlns:a16="http://schemas.microsoft.com/office/drawing/2014/main" id="{4DF364F9-B7EC-FA3B-66EC-1830F02D887A}"/>
+              </a:ext>
+            </a:extLst>
+          </p:cNvPr>
+          <p:cNvPicPr>
+            <a:picLocks noChangeAspect="1"/>
+          </p:cNvPicPr>
+          <p:nvPr/>
+        </p:nvPicPr>
+        <p:blipFill>
+          <a:blip r:embed="rId4">
+            <a:extLst>
+              <a:ext uri="{28A0092B-C50C-407E-A947-70E740481C1C}">
+                <a14:useLocalDpi xmlns:a14="http://schemas.microsoft.com/office/drawing/2010/main" val="0"/>
+              </a:ext>
+            </a:extLst>
+          </a:blip>
+          <a:stretch>
+            <a:fillRect/>
+          </a:stretch>
+        </p:blipFill>
+        <p:spPr>
+          <a:xfrm>
+            <a:off x="9943418" y="112718"/>
+            <a:ext cx="823597" cy="823597"/>
+          </a:xfrm>
+          <a:prstGeom prst="rect">
+            <a:avLst/>
+          </a:prstGeom>
+        </p:spPr>
+      </p:pic>
+      <p:pic>
+        <p:nvPicPr>
+          <p:cNvPr id="7" name="図 6">
+            <a:extLst>
+              <a:ext uri="{FF2B5EF4-FFF2-40B4-BE49-F238E27FC236}">
+                <a16:creationId xmlns:a16="http://schemas.microsoft.com/office/drawing/2014/main" id="{669033CE-021F-C266-4A8E-DCEF9E167799}"/>
+              </a:ext>
+            </a:extLst>
+          </p:cNvPr>
+          <p:cNvPicPr>
+            <a:picLocks noChangeAspect="1"/>
+          </p:cNvPicPr>
+          <p:nvPr/>
+        </p:nvPicPr>
+        <p:blipFill>
+          <a:blip r:embed="rId5">
+            <a:extLst>
+              <a:ext uri="{28A0092B-C50C-407E-A947-70E740481C1C}">
+                <a14:useLocalDpi xmlns:a14="http://schemas.microsoft.com/office/drawing/2010/main" val="0"/>
+              </a:ext>
+            </a:extLst>
+          </a:blip>
+          <a:stretch>
+            <a:fillRect/>
+          </a:stretch>
+        </p:blipFill>
+        <p:spPr>
+          <a:xfrm>
+            <a:off x="8690865" y="414469"/>
+            <a:ext cx="1503535" cy="1503535"/>
+          </a:xfrm>
+          <a:prstGeom prst="rect">
+            <a:avLst/>
+          </a:prstGeom>
+        </p:spPr>
+      </p:pic>
+      <p:pic>
+        <p:nvPicPr>
+          <p:cNvPr id="8" name="図 7">
+            <a:extLst>
+              <a:ext uri="{FF2B5EF4-FFF2-40B4-BE49-F238E27FC236}">
+                <a16:creationId xmlns:a16="http://schemas.microsoft.com/office/drawing/2014/main" id="{8C85A8A5-6FD2-1408-1A9C-B6747770B1F7}"/>
+              </a:ext>
+            </a:extLst>
+          </p:cNvPr>
+          <p:cNvPicPr>
+            <a:picLocks noChangeAspect="1"/>
+          </p:cNvPicPr>
+          <p:nvPr/>
+        </p:nvPicPr>
+        <p:blipFill>
+          <a:blip r:embed="rId6">
+            <a:extLst>
+              <a:ext uri="{28A0092B-C50C-407E-A947-70E740481C1C}">
+                <a14:useLocalDpi xmlns:a14="http://schemas.microsoft.com/office/drawing/2010/main" val="0"/>
+              </a:ext>
+            </a:extLst>
+          </a:blip>
+          <a:stretch>
+            <a:fillRect/>
+          </a:stretch>
+        </p:blipFill>
+        <p:spPr>
+          <a:xfrm>
+            <a:off x="8825984" y="4967721"/>
+            <a:ext cx="1233296" cy="1233296"/>
+          </a:xfrm>
+          <a:prstGeom prst="rect">
+            <a:avLst/>
+          </a:prstGeom>
+        </p:spPr>
+      </p:pic>
+      <p:pic>
+        <p:nvPicPr>
+          <p:cNvPr id="12" name="図 11">
+            <a:extLst>
+              <a:ext uri="{FF2B5EF4-FFF2-40B4-BE49-F238E27FC236}">
+                <a16:creationId xmlns:a16="http://schemas.microsoft.com/office/drawing/2014/main" id="{8E94E6D1-E2D1-F485-E02B-06912D6A9A7C}"/>
+              </a:ext>
+            </a:extLst>
+          </p:cNvPr>
+          <p:cNvPicPr>
+            <a:picLocks noChangeAspect="1"/>
+          </p:cNvPicPr>
+          <p:nvPr/>
+        </p:nvPicPr>
+        <p:blipFill>
+          <a:blip r:embed="rId4">
+            <a:extLst>
+              <a:ext uri="{28A0092B-C50C-407E-A947-70E740481C1C}">
+                <a14:useLocalDpi xmlns:a14="http://schemas.microsoft.com/office/drawing/2010/main" val="0"/>
+              </a:ext>
+            </a:extLst>
+          </a:blip>
+          <a:stretch>
+            <a:fillRect/>
+          </a:stretch>
+        </p:blipFill>
+        <p:spPr>
+          <a:xfrm>
+            <a:off x="9942779" y="4431896"/>
+            <a:ext cx="823597" cy="823597"/>
+          </a:xfrm>
+          <a:prstGeom prst="rect">
+            <a:avLst/>
+          </a:prstGeom>
+        </p:spPr>
+      </p:pic>
+      <p:sp>
+        <p:nvSpPr>
+          <p:cNvPr id="14" name="テキスト ボックス 13">
+            <a:extLst>
+              <a:ext uri="{FF2B5EF4-FFF2-40B4-BE49-F238E27FC236}">
+                <a16:creationId xmlns:a16="http://schemas.microsoft.com/office/drawing/2014/main" id="{FFF69AB7-E51F-DF3E-ABE0-05B66C8C90EC}"/>
+              </a:ext>
+            </a:extLst>
+          </p:cNvPr>
+          <p:cNvSpPr txBox="1"/>
+          <p:nvPr/>
+        </p:nvSpPr>
+        <p:spPr>
+          <a:xfrm>
+            <a:off x="8184071" y="6268700"/>
+            <a:ext cx="2518110" cy="1446550"/>
+          </a:xfrm>
+          <a:prstGeom prst="rect">
+            <a:avLst/>
+          </a:prstGeom>
+          <a:noFill/>
+        </p:spPr>
+        <p:txBody>
+          <a:bodyPr wrap="square" rtlCol="0">
+            <a:spAutoFit/>
+          </a:bodyPr>
+          <a:lstStyle/>
+          <a:p>
+            <a:pPr algn="ctr"/>
+            <a:r>
+              <a:rPr kumimoji="1" lang="ja-JP" altLang="en-US" sz="4400" b="1"/>
+              <a:t>飲食施設</a:t>
+            </a:r>
+            <a:endParaRPr kumimoji="1" lang="en-US" altLang="ja-JP" sz="4400" b="1" dirty="0"/>
+          </a:p>
+          <a:p>
+            <a:pPr algn="ctr"/>
+            <a:r>
+              <a:rPr kumimoji="1" lang="ja-JP" altLang="en-US" sz="4400" b="1"/>
+              <a:t>営業時間</a:t>
+            </a:r>
+          </a:p>
+        </p:txBody>
+      </p:sp>
+    </p:spTree>
+    <p:extLst>
+      <p:ext uri="{BB962C8B-B14F-4D97-AF65-F5344CB8AC3E}">
+        <p14:creationId xmlns:p14="http://schemas.microsoft.com/office/powerpoint/2010/main" val="7147091"/>
+      </p:ext>
+    </p:extLst>
+  </p:cSld>
+  <p:clrMapOvr>
+    <a:masterClrMapping/>
+  </p:clrMapOvr>
+</p:sld>
+</file>
+
 <file path=ppt/theme/theme1.xml><?xml version="1.0" encoding="utf-8"?>
 <a:theme xmlns:a="http://schemas.openxmlformats.org/drawingml/2006/main" name="Office テーマ">
   <a:themeElements>
